--- a/презентация.pptx
+++ b/презентация.pptx
@@ -257,6 +257,11 @@
       </a:defRPr>
     </a:lvl9pPr>
   </p:defaultTextStyle>
+  <p:extLst>
+    <p:ext uri="{EFAFB233-063F-42B5-8137-9DF3F51BA10A}">
+      <p15:sldGuideLst xmlns:p15="http://schemas.microsoft.com/office/powerpoint/2012/main"/>
+    </p:ext>
+  </p:extLst>
 </p:presentation>
 </file>
 
@@ -35221,7 +35226,7 @@
         <p:fade thruBlk="1"/>
       </p:transition>
     </mc:Choice>
-    <mc:Fallback xmlns:ahyp="http://schemas.microsoft.com/office/drawing/2018/hyperlinkcolor" xmlns:p15="http://schemas.microsoft.com/office/powerpoint/2012/main" xmlns:com="http://schemas.openxmlformats.org/drawingml/2006/compatibility" xmlns:pvml="urn:schemas-microsoft-com:office:powerpoint" xmlns:v="urn:schemas-microsoft-com:vml" xmlns:o="urn:schemas-microsoft-com:office:office" xmlns:dgm="http://schemas.openxmlformats.org/drawingml/2006/diagram" xmlns:c="http://schemas.openxmlformats.org/drawingml/2006/chart" xmlns:mv="urn:schemas-microsoft-com:mac:vml" xmlns="">
+    <mc:Fallback xmlns="" xmlns:mv="urn:schemas-microsoft-com:mac:vml" xmlns:c="http://schemas.openxmlformats.org/drawingml/2006/chart" xmlns:dgm="http://schemas.openxmlformats.org/drawingml/2006/diagram" xmlns:o="urn:schemas-microsoft-com:office:office" xmlns:v="urn:schemas-microsoft-com:vml" xmlns:pvml="urn:schemas-microsoft-com:office:powerpoint" xmlns:com="http://schemas.openxmlformats.org/drawingml/2006/compatibility" xmlns:p15="http://schemas.microsoft.com/office/powerpoint/2012/main" xmlns:ahyp="http://schemas.microsoft.com/office/drawing/2018/hyperlinkcolor">
       <p:transition spd="slow">
         <p:fade/>
       </p:transition>
@@ -44178,6 +44183,44 @@
           </a:ln>
         </p:spPr>
       </p:pic>
+      <p:sp>
+        <p:nvSpPr>
+          <p:cNvPr id="5" name="TextBox 4">
+            <a:extLst>
+              <a:ext uri="{FF2B5EF4-FFF2-40B4-BE49-F238E27FC236}">
+                <a16:creationId xmlns:a16="http://schemas.microsoft.com/office/drawing/2014/main" id="{824693C8-5F63-05C3-95C7-4E5A02FCD0A0}"/>
+              </a:ext>
+            </a:extLst>
+          </p:cNvPr>
+          <p:cNvSpPr txBox="1"/>
+          <p:nvPr/>
+        </p:nvSpPr>
+        <p:spPr>
+          <a:xfrm>
+            <a:off x="713225" y="3143373"/>
+            <a:ext cx="5414010" cy="307777"/>
+          </a:xfrm>
+          <a:prstGeom prst="rect">
+            <a:avLst/>
+          </a:prstGeom>
+          <a:noFill/>
+        </p:spPr>
+        <p:txBody>
+          <a:bodyPr wrap="square">
+            <a:spAutoFit/>
+          </a:bodyPr>
+          <a:lstStyle/>
+          <a:p>
+            <a:r>
+              <a:rPr lang="ru-RU" dirty="0">
+                <a:hlinkClick r:id="rId4"/>
+              </a:rPr>
+              <a:t>Ссылка на сайт</a:t>
+            </a:r>
+            <a:endParaRPr lang="ru-RU" dirty="0"/>
+          </a:p>
+        </p:txBody>
+      </p:sp>
     </p:spTree>
   </p:cSld>
   <p:clrMapOvr>

--- a/презентация.pptx
+++ b/презентация.pptx
@@ -35226,7 +35226,7 @@
         <p:fade thruBlk="1"/>
       </p:transition>
     </mc:Choice>
-    <mc:Fallback xmlns="" xmlns:mv="urn:schemas-microsoft-com:mac:vml" xmlns:c="http://schemas.openxmlformats.org/drawingml/2006/chart" xmlns:dgm="http://schemas.openxmlformats.org/drawingml/2006/diagram" xmlns:o="urn:schemas-microsoft-com:office:office" xmlns:v="urn:schemas-microsoft-com:vml" xmlns:pvml="urn:schemas-microsoft-com:office:powerpoint" xmlns:com="http://schemas.openxmlformats.org/drawingml/2006/compatibility" xmlns:p15="http://schemas.microsoft.com/office/powerpoint/2012/main" xmlns:ahyp="http://schemas.microsoft.com/office/drawing/2018/hyperlinkcolor">
+    <mc:Fallback xmlns:ahyp="http://schemas.microsoft.com/office/drawing/2018/hyperlinkcolor" xmlns:p15="http://schemas.microsoft.com/office/powerpoint/2012/main" xmlns:com="http://schemas.openxmlformats.org/drawingml/2006/compatibility" xmlns:pvml="urn:schemas-microsoft-com:office:powerpoint" xmlns:v="urn:schemas-microsoft-com:vml" xmlns:o="urn:schemas-microsoft-com:office:office" xmlns:dgm="http://schemas.openxmlformats.org/drawingml/2006/diagram" xmlns:c="http://schemas.openxmlformats.org/drawingml/2006/chart" xmlns:mv="urn:schemas-microsoft-com:mac:vml" xmlns="">
       <p:transition spd="slow">
         <p:fade/>
       </p:transition>

--- a/презентация.pptx
+++ b/презентация.pptx
@@ -5,7 +5,7 @@
     <p:sldMasterId id="2147483726" r:id="rId1"/>
   </p:sldMasterIdLst>
   <p:notesMasterIdLst>
-    <p:notesMasterId r:id="rId8"/>
+    <p:notesMasterId r:id="rId9"/>
   </p:notesMasterIdLst>
   <p:sldIdLst>
     <p:sldId id="256" r:id="rId2"/>
@@ -14,18 +14,19 @@
     <p:sldId id="258" r:id="rId5"/>
     <p:sldId id="259" r:id="rId6"/>
     <p:sldId id="347" r:id="rId7"/>
+    <p:sldId id="348" r:id="rId8"/>
   </p:sldIdLst>
   <p:sldSz cx="9144000" cy="5143500" type="screen16x9"/>
   <p:notesSz cx="6858000" cy="9144000"/>
   <p:embeddedFontLst>
     <p:embeddedFont>
       <p:font typeface="Hammersmith One" panose="02010703030501060504" pitchFamily="2" charset="0"/>
-      <p:regular r:id="rId9"/>
+      <p:regular r:id="rId10"/>
     </p:embeddedFont>
     <p:embeddedFont>
       <p:font typeface="Manjari" panose="020B0604020202020204" charset="0"/>
-      <p:regular r:id="rId10"/>
-      <p:bold r:id="rId11"/>
+      <p:regular r:id="rId11"/>
+      <p:bold r:id="rId12"/>
     </p:embeddedFont>
   </p:embeddedFontLst>
   <p:defaultTextStyle>
@@ -35226,7 +35227,7 @@
         <p:fade thruBlk="1"/>
       </p:transition>
     </mc:Choice>
-    <mc:Fallback xmlns:ahyp="http://schemas.microsoft.com/office/drawing/2018/hyperlinkcolor" xmlns:p15="http://schemas.microsoft.com/office/powerpoint/2012/main" xmlns:com="http://schemas.openxmlformats.org/drawingml/2006/compatibility" xmlns:pvml="urn:schemas-microsoft-com:office:powerpoint" xmlns:v="urn:schemas-microsoft-com:vml" xmlns:o="urn:schemas-microsoft-com:office:office" xmlns:dgm="http://schemas.openxmlformats.org/drawingml/2006/diagram" xmlns:c="http://schemas.openxmlformats.org/drawingml/2006/chart" xmlns:mv="urn:schemas-microsoft-com:mac:vml" xmlns="">
+    <mc:Fallback xmlns="" xmlns:mv="urn:schemas-microsoft-com:mac:vml" xmlns:c="http://schemas.openxmlformats.org/drawingml/2006/chart" xmlns:dgm="http://schemas.openxmlformats.org/drawingml/2006/diagram" xmlns:o="urn:schemas-microsoft-com:office:office" xmlns:v="urn:schemas-microsoft-com:vml" xmlns:pvml="urn:schemas-microsoft-com:office:powerpoint" xmlns:com="http://schemas.openxmlformats.org/drawingml/2006/compatibility" xmlns:p15="http://schemas.microsoft.com/office/powerpoint/2012/main" xmlns:ahyp="http://schemas.microsoft.com/office/drawing/2018/hyperlinkcolor">
       <p:transition spd="slow">
         <p:fade/>
       </p:transition>
@@ -36116,7 +36117,7 @@
             </a:pPr>
             <a:r>
               <a:rPr lang="ru-RU" dirty="0"/>
-              <a:t>- образовательная платформа</a:t>
+              <a:t> образовательная платформа</a:t>
             </a:r>
             <a:endParaRPr dirty="0"/>
           </a:p>
@@ -44185,10 +44186,10 @@
       </p:pic>
       <p:sp>
         <p:nvSpPr>
-          <p:cNvPr id="5" name="TextBox 4">
+          <p:cNvPr id="3" name="TextBox 2">
             <a:extLst>
               <a:ext uri="{FF2B5EF4-FFF2-40B4-BE49-F238E27FC236}">
-                <a16:creationId xmlns:a16="http://schemas.microsoft.com/office/drawing/2014/main" id="{824693C8-5F63-05C3-95C7-4E5A02FCD0A0}"/>
+                <a16:creationId xmlns:a16="http://schemas.microsoft.com/office/drawing/2014/main" id="{B34EF100-E10C-8630-B4EC-35350C332757}"/>
               </a:ext>
             </a:extLst>
           </p:cNvPr>
@@ -44197,8 +44198,8 @@
         </p:nvSpPr>
         <p:spPr>
           <a:xfrm>
-            <a:off x="713225" y="3143373"/>
-            <a:ext cx="5414010" cy="307777"/>
+            <a:off x="713225" y="3406894"/>
+            <a:ext cx="3887451" cy="523220"/>
           </a:xfrm>
           <a:prstGeom prst="rect">
             <a:avLst/>
@@ -44212,12 +44213,33 @@
           <a:lstStyle/>
           <a:p>
             <a:r>
-              <a:rPr lang="ru-RU" dirty="0">
-                <a:hlinkClick r:id="rId4"/>
+              <a:rPr lang="ru-RU" b="1" dirty="0">
+                <a:solidFill>
+                  <a:srgbClr val="0070C0"/>
+                </a:solidFill>
               </a:rPr>
-              <a:t>Ссылка на сайт</a:t>
+              <a:t>Ссылка на сайт:</a:t>
             </a:r>
-            <a:endParaRPr lang="ru-RU" dirty="0"/>
+            <a:br>
+              <a:rPr lang="ru-RU" b="1" dirty="0">
+                <a:solidFill>
+                  <a:srgbClr val="0070C0"/>
+                </a:solidFill>
+              </a:rPr>
+            </a:br>
+            <a:r>
+              <a:rPr lang="en-US" b="1" dirty="0">
+                <a:solidFill>
+                  <a:srgbClr val="0070C0"/>
+                </a:solidFill>
+              </a:rPr>
+              <a:t>https://start-ege.glitch.me/</a:t>
+            </a:r>
+            <a:endParaRPr lang="ru-RU" b="1" dirty="0">
+              <a:solidFill>
+                <a:srgbClr val="0070C0"/>
+              </a:solidFill>
+            </a:endParaRPr>
           </a:p>
         </p:txBody>
       </p:sp>
@@ -44347,6 +44369,89 @@
       </p:par>
     </p:tnLst>
   </p:timing>
+</p:sld>
+</file>
+
+<file path=ppt/slides/slide7.xml><?xml version="1.0" encoding="utf-8"?>
+<p:sld xmlns:a="http://schemas.openxmlformats.org/drawingml/2006/main" xmlns:r="http://schemas.openxmlformats.org/officeDocument/2006/relationships" xmlns:p="http://schemas.openxmlformats.org/presentationml/2006/main">
+  <p:cSld>
+    <p:spTree>
+      <p:nvGrpSpPr>
+        <p:cNvPr id="1" name=""/>
+        <p:cNvGrpSpPr/>
+        <p:nvPr/>
+      </p:nvGrpSpPr>
+      <p:grpSpPr>
+        <a:xfrm>
+          <a:off x="0" y="0"/>
+          <a:ext cx="0" cy="0"/>
+          <a:chOff x="0" y="0"/>
+          <a:chExt cx="0" cy="0"/>
+        </a:xfrm>
+      </p:grpSpPr>
+      <p:sp>
+        <p:nvSpPr>
+          <p:cNvPr id="4" name="Заголовок 3">
+            <a:extLst>
+              <a:ext uri="{FF2B5EF4-FFF2-40B4-BE49-F238E27FC236}">
+                <a16:creationId xmlns:a16="http://schemas.microsoft.com/office/drawing/2014/main" id="{2B7AA297-4EB2-16AD-B8C0-5F5270DEC44E}"/>
+              </a:ext>
+            </a:extLst>
+          </p:cNvPr>
+          <p:cNvSpPr>
+            <a:spLocks noGrp="1"/>
+          </p:cNvSpPr>
+          <p:nvPr>
+            <p:ph type="title"/>
+          </p:nvPr>
+        </p:nvSpPr>
+        <p:spPr/>
+        <p:txBody>
+          <a:bodyPr/>
+          <a:lstStyle/>
+          <a:p>
+            <a:r>
+              <a:rPr lang="ru-RU" dirty="0"/>
+              <a:t>Заключение</a:t>
+            </a:r>
+          </a:p>
+        </p:txBody>
+      </p:sp>
+      <p:sp>
+        <p:nvSpPr>
+          <p:cNvPr id="9" name="Подзаголовок 8">
+            <a:extLst>
+              <a:ext uri="{FF2B5EF4-FFF2-40B4-BE49-F238E27FC236}">
+                <a16:creationId xmlns:a16="http://schemas.microsoft.com/office/drawing/2014/main" id="{13738921-87FB-6D0F-A98D-52E4DF4B1AA4}"/>
+              </a:ext>
+            </a:extLst>
+          </p:cNvPr>
+          <p:cNvSpPr>
+            <a:spLocks noGrp="1"/>
+          </p:cNvSpPr>
+          <p:nvPr>
+            <p:ph type="subTitle" idx="7"/>
+          </p:nvPr>
+        </p:nvSpPr>
+        <p:spPr/>
+        <p:txBody>
+          <a:bodyPr/>
+          <a:lstStyle/>
+          <a:p>
+            <a:endParaRPr lang="ru-RU" dirty="0"/>
+          </a:p>
+        </p:txBody>
+      </p:sp>
+    </p:spTree>
+    <p:extLst>
+      <p:ext uri="{BB962C8B-B14F-4D97-AF65-F5344CB8AC3E}">
+        <p14:creationId xmlns:p14="http://schemas.microsoft.com/office/powerpoint/2010/main" val="1241123219"/>
+      </p:ext>
+    </p:extLst>
+  </p:cSld>
+  <p:clrMapOvr>
+    <a:masterClrMapping/>
+  </p:clrMapOvr>
 </p:sld>
 </file>
 
